--- a/Conference/2603_Moonshot/タイトル.pptx
+++ b/Conference/2603_Moonshot/タイトル.pptx
@@ -254,7 +254,7 @@
           <a:p>
             <a:fld id="{7C6C56E5-2BD0-9B4B-9D5D-E53D5E1FBD89}" type="datetimeFigureOut">
               <a:rPr kumimoji="1" lang="ja-JP" altLang="en-US" smtClean="0"/>
-              <a:t>2026/1/20</a:t>
+              <a:t>2026/2/12</a:t>
             </a:fld>
             <a:endParaRPr kumimoji="1" lang="ja-JP" altLang="en-US"/>
           </a:p>
@@ -456,7 +456,7 @@
           <a:p>
             <a:fld id="{7C6C56E5-2BD0-9B4B-9D5D-E53D5E1FBD89}" type="datetimeFigureOut">
               <a:rPr kumimoji="1" lang="ja-JP" altLang="en-US" smtClean="0"/>
-              <a:t>2026/1/20</a:t>
+              <a:t>2026/2/12</a:t>
             </a:fld>
             <a:endParaRPr kumimoji="1" lang="ja-JP" altLang="en-US"/>
           </a:p>
@@ -668,7 +668,7 @@
           <a:p>
             <a:fld id="{7C6C56E5-2BD0-9B4B-9D5D-E53D5E1FBD89}" type="datetimeFigureOut">
               <a:rPr kumimoji="1" lang="ja-JP" altLang="en-US" smtClean="0"/>
-              <a:t>2026/1/20</a:t>
+              <a:t>2026/2/12</a:t>
             </a:fld>
             <a:endParaRPr kumimoji="1" lang="ja-JP" altLang="en-US"/>
           </a:p>
@@ -870,7 +870,7 @@
           <a:p>
             <a:fld id="{7C6C56E5-2BD0-9B4B-9D5D-E53D5E1FBD89}" type="datetimeFigureOut">
               <a:rPr kumimoji="1" lang="ja-JP" altLang="en-US" smtClean="0"/>
-              <a:t>2026/1/20</a:t>
+              <a:t>2026/2/12</a:t>
             </a:fld>
             <a:endParaRPr kumimoji="1" lang="ja-JP" altLang="en-US"/>
           </a:p>
@@ -1116,7 +1116,7 @@
           <a:p>
             <a:fld id="{7C6C56E5-2BD0-9B4B-9D5D-E53D5E1FBD89}" type="datetimeFigureOut">
               <a:rPr kumimoji="1" lang="ja-JP" altLang="en-US" smtClean="0"/>
-              <a:t>2026/1/20</a:t>
+              <a:t>2026/2/12</a:t>
             </a:fld>
             <a:endParaRPr kumimoji="1" lang="ja-JP" altLang="en-US"/>
           </a:p>
@@ -1412,7 +1412,7 @@
           <a:p>
             <a:fld id="{7C6C56E5-2BD0-9B4B-9D5D-E53D5E1FBD89}" type="datetimeFigureOut">
               <a:rPr kumimoji="1" lang="ja-JP" altLang="en-US" smtClean="0"/>
-              <a:t>2026/1/20</a:t>
+              <a:t>2026/2/12</a:t>
             </a:fld>
             <a:endParaRPr kumimoji="1" lang="ja-JP" altLang="en-US"/>
           </a:p>
@@ -1843,7 +1843,7 @@
           <a:p>
             <a:fld id="{7C6C56E5-2BD0-9B4B-9D5D-E53D5E1FBD89}" type="datetimeFigureOut">
               <a:rPr kumimoji="1" lang="ja-JP" altLang="en-US" smtClean="0"/>
-              <a:t>2026/1/20</a:t>
+              <a:t>2026/2/12</a:t>
             </a:fld>
             <a:endParaRPr kumimoji="1" lang="ja-JP" altLang="en-US"/>
           </a:p>
@@ -1961,7 +1961,7 @@
           <a:p>
             <a:fld id="{7C6C56E5-2BD0-9B4B-9D5D-E53D5E1FBD89}" type="datetimeFigureOut">
               <a:rPr kumimoji="1" lang="ja-JP" altLang="en-US" smtClean="0"/>
-              <a:t>2026/1/20</a:t>
+              <a:t>2026/2/12</a:t>
             </a:fld>
             <a:endParaRPr kumimoji="1" lang="ja-JP" altLang="en-US"/>
           </a:p>
@@ -2056,7 +2056,7 @@
           <a:p>
             <a:fld id="{7C6C56E5-2BD0-9B4B-9D5D-E53D5E1FBD89}" type="datetimeFigureOut">
               <a:rPr kumimoji="1" lang="ja-JP" altLang="en-US" smtClean="0"/>
-              <a:t>2026/1/20</a:t>
+              <a:t>2026/2/12</a:t>
             </a:fld>
             <a:endParaRPr kumimoji="1" lang="ja-JP" altLang="en-US"/>
           </a:p>
@@ -2365,7 +2365,7 @@
           <a:p>
             <a:fld id="{7C6C56E5-2BD0-9B4B-9D5D-E53D5E1FBD89}" type="datetimeFigureOut">
               <a:rPr kumimoji="1" lang="ja-JP" altLang="en-US" smtClean="0"/>
-              <a:t>2026/1/20</a:t>
+              <a:t>2026/2/12</a:t>
             </a:fld>
             <a:endParaRPr kumimoji="1" lang="ja-JP" altLang="en-US"/>
           </a:p>
@@ -2622,7 +2622,7 @@
           <a:p>
             <a:fld id="{7C6C56E5-2BD0-9B4B-9D5D-E53D5E1FBD89}" type="datetimeFigureOut">
               <a:rPr kumimoji="1" lang="ja-JP" altLang="en-US" smtClean="0"/>
-              <a:t>2026/1/20</a:t>
+              <a:t>2026/2/12</a:t>
             </a:fld>
             <a:endParaRPr kumimoji="1" lang="ja-JP" altLang="en-US"/>
           </a:p>
@@ -2867,7 +2867,7 @@
           <a:p>
             <a:fld id="{7C6C56E5-2BD0-9B4B-9D5D-E53D5E1FBD89}" type="datetimeFigureOut">
               <a:rPr kumimoji="1" lang="ja-JP" altLang="en-US" smtClean="0"/>
-              <a:t>2026/1/20</a:t>
+              <a:t>2026/2/12</a:t>
             </a:fld>
             <a:endParaRPr kumimoji="1" lang="ja-JP" altLang="en-US"/>
           </a:p>
@@ -3292,11 +3292,11 @@
           <a:prstGeom prst="rect">
             <a:avLst/>
           </a:prstGeom>
-          <a:solidFill>
-            <a:schemeClr val="tx1"/>
-          </a:solidFill>
-          <a:ln>
-            <a:noFill/>
+          <a:noFill/>
+          <a:ln w="76200">
+            <a:solidFill>
+              <a:srgbClr val="002060"/>
+            </a:solidFill>
           </a:ln>
         </p:spPr>
         <p:style>
@@ -3338,8 +3338,8 @@
         </p:nvSpPr>
         <p:spPr>
           <a:xfrm>
-            <a:off x="14630400" y="2995180"/>
-            <a:ext cx="12701419" cy="769441"/>
+            <a:off x="14741912" y="2438350"/>
+            <a:ext cx="12701419" cy="1415772"/>
           </a:xfrm>
           <a:prstGeom prst="rect">
             <a:avLst/>
@@ -3354,96 +3354,140 @@
           <a:p>
             <a:pPr algn="r"/>
             <a:r>
+              <a:rPr kumimoji="1" lang="ja-JP" altLang="en-US" sz="5400">
+                <a:solidFill>
+                  <a:srgbClr val="002060"/>
+                </a:solidFill>
+                <a:latin typeface="Times New Roman" panose="02020603050405020304" pitchFamily="18" charset="0"/>
+                <a:ea typeface="YuKyokasho Medium" panose="02000500000000000000" pitchFamily="2" charset="-128"/>
+                <a:cs typeface="Times New Roman" panose="02020603050405020304" pitchFamily="18" charset="0"/>
+              </a:rPr>
+              <a:t>水田</a:t>
+            </a:r>
+            <a:r>
+              <a:rPr kumimoji="1" lang="en-US" altLang="ja-JP" sz="5400" dirty="0">
+                <a:solidFill>
+                  <a:srgbClr val="002060"/>
+                </a:solidFill>
+                <a:latin typeface="Times New Roman" panose="02020603050405020304" pitchFamily="18" charset="0"/>
+                <a:ea typeface="YuKyokasho Medium" panose="02000500000000000000" pitchFamily="2" charset="-128"/>
+                <a:cs typeface="Times New Roman" panose="02020603050405020304" pitchFamily="18" charset="0"/>
+              </a:rPr>
+              <a:t> </a:t>
+            </a:r>
+            <a:r>
+              <a:rPr kumimoji="1" lang="ja-JP" altLang="en-US" sz="5400">
+                <a:solidFill>
+                  <a:srgbClr val="002060"/>
+                </a:solidFill>
+                <a:latin typeface="Times New Roman" panose="02020603050405020304" pitchFamily="18" charset="0"/>
+                <a:ea typeface="YuKyokasho Medium" panose="02000500000000000000" pitchFamily="2" charset="-128"/>
+                <a:cs typeface="Times New Roman" panose="02020603050405020304" pitchFamily="18" charset="0"/>
+              </a:rPr>
+              <a:t>郁</a:t>
+            </a:r>
+            <a:r>
+              <a:rPr kumimoji="1" lang="en-US" altLang="ja-JP" sz="5400" dirty="0">
+                <a:solidFill>
+                  <a:srgbClr val="002060"/>
+                </a:solidFill>
+                <a:latin typeface="Times New Roman" panose="02020603050405020304" pitchFamily="18" charset="0"/>
+                <a:ea typeface="YuKyokasho Medium" panose="02000500000000000000" pitchFamily="2" charset="-128"/>
+                <a:cs typeface="Times New Roman" panose="02020603050405020304" pitchFamily="18" charset="0"/>
+              </a:rPr>
+              <a:t> (Kaoru Mizuta) </a:t>
+            </a:r>
+            <a:r>
               <a:rPr kumimoji="1" lang="en-US" altLang="ja-JP" sz="4400" dirty="0">
                 <a:solidFill>
-                  <a:schemeClr val="bg1"/>
+                  <a:srgbClr val="002060"/>
                 </a:solidFill>
                 <a:latin typeface="Times New Roman" panose="02020603050405020304" pitchFamily="18" charset="0"/>
+                <a:ea typeface="YuKyokasho Medium" panose="02000500000000000000" pitchFamily="2" charset="-128"/>
                 <a:cs typeface="Times New Roman" panose="02020603050405020304" pitchFamily="18" charset="0"/>
               </a:rPr>
-              <a:t>Kaoru Mizuta (</a:t>
-            </a:r>
-            <a:r>
-              <a:rPr kumimoji="1" lang="en-US" altLang="ja-JP" sz="4400" dirty="0" err="1">
+              <a:t>[</a:t>
+            </a:r>
+            <a:r>
+              <a:rPr kumimoji="1" lang="ja-JP" altLang="en-US" sz="4400">
                 <a:solidFill>
-                  <a:schemeClr val="bg1"/>
+                  <a:srgbClr val="002060"/>
                 </a:solidFill>
                 <a:latin typeface="Times New Roman" panose="02020603050405020304" pitchFamily="18" charset="0"/>
+                <a:ea typeface="YuKyokasho Medium" panose="02000500000000000000" pitchFamily="2" charset="-128"/>
                 <a:cs typeface="Times New Roman" panose="02020603050405020304" pitchFamily="18" charset="0"/>
               </a:rPr>
-              <a:t>UTokyo</a:t>
+              <a:t>研究課題</a:t>
             </a:r>
             <a:r>
               <a:rPr kumimoji="1" lang="en-US" altLang="ja-JP" sz="4400" dirty="0">
                 <a:solidFill>
-                  <a:schemeClr val="bg1"/>
+                  <a:srgbClr val="002060"/>
                 </a:solidFill>
                 <a:latin typeface="Times New Roman" panose="02020603050405020304" pitchFamily="18" charset="0"/>
+                <a:ea typeface="YuKyokasho Medium" panose="02000500000000000000" pitchFamily="2" charset="-128"/>
                 <a:cs typeface="Times New Roman" panose="02020603050405020304" pitchFamily="18" charset="0"/>
               </a:rPr>
-              <a:t>, RIKEN RQC, JST PRESTO) </a:t>
-            </a:r>
-            <a:endParaRPr kumimoji="1" lang="ja-JP" altLang="en-US" sz="4400">
-              <a:solidFill>
-                <a:schemeClr val="bg1"/>
-              </a:solidFill>
-              <a:latin typeface="Times New Roman" panose="02020603050405020304" pitchFamily="18" charset="0"/>
-              <a:cs typeface="Times New Roman" panose="02020603050405020304" pitchFamily="18" charset="0"/>
-            </a:endParaRPr>
-          </a:p>
-        </p:txBody>
-      </p:sp>
-      <p:sp>
-        <p:nvSpPr>
-          <p:cNvPr id="7" name="テキスト ボックス 6">
-            <a:extLst>
-              <a:ext uri="{FF2B5EF4-FFF2-40B4-BE49-F238E27FC236}">
-                <a16:creationId xmlns:a16="http://schemas.microsoft.com/office/drawing/2014/main" id="{AD60626A-7FEC-40E2-5D1E-09587C60087A}"/>
-              </a:ext>
-            </a:extLst>
-          </p:cNvPr>
-          <p:cNvSpPr txBox="1"/>
-          <p:nvPr/>
-        </p:nvSpPr>
-        <p:spPr>
-          <a:xfrm>
-            <a:off x="111510" y="3379900"/>
-            <a:ext cx="6110869" cy="584775"/>
-          </a:xfrm>
-          <a:prstGeom prst="rect">
-            <a:avLst/>
-          </a:prstGeom>
-          <a:noFill/>
-        </p:spPr>
-        <p:txBody>
-          <a:bodyPr wrap="square">
-            <a:spAutoFit/>
-          </a:bodyPr>
-          <a:lstStyle/>
-          <a:p>
+              <a:t>2-1, PI]</a:t>
+            </a:r>
+          </a:p>
+          <a:p>
+            <a:pPr algn="r"/>
+            <a:r>
+              <a:rPr kumimoji="1" lang="ja-JP" altLang="en-US" sz="3200">
+                <a:solidFill>
+                  <a:srgbClr val="002060"/>
+                </a:solidFill>
+                <a:latin typeface="Times New Roman" panose="02020603050405020304" pitchFamily="18" charset="0"/>
+                <a:ea typeface="YuKyokasho Medium" panose="02000500000000000000" pitchFamily="2" charset="-128"/>
+                <a:cs typeface="Times New Roman" panose="02020603050405020304" pitchFamily="18" charset="0"/>
+              </a:rPr>
+              <a:t>東京大学</a:t>
+            </a:r>
             <a:r>
               <a:rPr kumimoji="1" lang="en-US" altLang="ja-JP" sz="3200" dirty="0">
                 <a:solidFill>
-                  <a:schemeClr val="accent4">
-                    <a:lumMod val="20000"/>
-                    <a:lumOff val="80000"/>
-                  </a:schemeClr>
+                  <a:srgbClr val="002060"/>
                 </a:solidFill>
                 <a:latin typeface="Times New Roman" panose="02020603050405020304" pitchFamily="18" charset="0"/>
+                <a:ea typeface="YuKyokasho Medium" panose="02000500000000000000" pitchFamily="2" charset="-128"/>
                 <a:cs typeface="Times New Roman" panose="02020603050405020304" pitchFamily="18" charset="0"/>
               </a:rPr>
-              <a:t> KM, Quantum 10, 1974 (2026)</a:t>
-            </a:r>
-            <a:endParaRPr kumimoji="1" lang="ja-JP" altLang="en-US" sz="3200">
-              <a:solidFill>
-                <a:schemeClr val="accent4">
-                  <a:lumMod val="20000"/>
-                  <a:lumOff val="80000"/>
-                </a:schemeClr>
-              </a:solidFill>
-              <a:latin typeface="Times New Roman" panose="02020603050405020304" pitchFamily="18" charset="0"/>
-              <a:cs typeface="Times New Roman" panose="02020603050405020304" pitchFamily="18" charset="0"/>
-            </a:endParaRPr>
+              <a:t>, </a:t>
+            </a:r>
+            <a:r>
+              <a:rPr kumimoji="1" lang="ja-JP" altLang="en-US" sz="3200">
+                <a:solidFill>
+                  <a:srgbClr val="002060"/>
+                </a:solidFill>
+                <a:latin typeface="Times New Roman" panose="02020603050405020304" pitchFamily="18" charset="0"/>
+                <a:ea typeface="YuKyokasho Medium" panose="02000500000000000000" pitchFamily="2" charset="-128"/>
+                <a:cs typeface="Times New Roman" panose="02020603050405020304" pitchFamily="18" charset="0"/>
+              </a:rPr>
+              <a:t>理研</a:t>
+            </a:r>
+            <a:r>
+              <a:rPr kumimoji="1" lang="en-US" altLang="ja-JP" sz="3200" dirty="0">
+                <a:solidFill>
+                  <a:srgbClr val="002060"/>
+                </a:solidFill>
+                <a:latin typeface="Times New Roman" panose="02020603050405020304" pitchFamily="18" charset="0"/>
+                <a:ea typeface="YuKyokasho Medium" panose="02000500000000000000" pitchFamily="2" charset="-128"/>
+                <a:cs typeface="Times New Roman" panose="02020603050405020304" pitchFamily="18" charset="0"/>
+              </a:rPr>
+              <a:t>RQC, JST</a:t>
+            </a:r>
+            <a:r>
+              <a:rPr kumimoji="1" lang="ja-JP" altLang="en-US" sz="3200">
+                <a:solidFill>
+                  <a:srgbClr val="002060"/>
+                </a:solidFill>
+                <a:latin typeface="Times New Roman" panose="02020603050405020304" pitchFamily="18" charset="0"/>
+                <a:ea typeface="YuKyokasho Medium" panose="02000500000000000000" pitchFamily="2" charset="-128"/>
+                <a:cs typeface="Times New Roman" panose="02020603050405020304" pitchFamily="18" charset="0"/>
+              </a:rPr>
+              <a:t>さきがけ「量子協奏」</a:t>
+            </a:r>
           </a:p>
         </p:txBody>
       </p:sp>
@@ -3461,8 +3505,8 @@
         </p:nvSpPr>
         <p:spPr>
           <a:xfrm>
-            <a:off x="2617820" y="239248"/>
-            <a:ext cx="22405910" cy="2554545"/>
+            <a:off x="2617820" y="886014"/>
+            <a:ext cx="22405910" cy="1323439"/>
           </a:xfrm>
           <a:prstGeom prst="rect">
             <a:avLst/>
@@ -3477,33 +3521,140 @@
           <a:p>
             <a:pPr algn="ctr"/>
             <a:r>
-              <a:rPr kumimoji="1" lang="en-US" altLang="ja-JP" sz="8000" dirty="0">
+              <a:rPr kumimoji="1" lang="ja-JP" altLang="en-US" sz="8000">
                 <a:solidFill>
-                  <a:schemeClr val="bg1"/>
+                  <a:srgbClr val="002060"/>
                 </a:solidFill>
-                <a:latin typeface="Times New Roman" panose="02020603050405020304" pitchFamily="18" charset="0"/>
+                <a:latin typeface="YuKyokasho Medium" panose="02000500000000000000" pitchFamily="2" charset="-128"/>
+                <a:ea typeface="YuKyokasho Medium" panose="02000500000000000000" pitchFamily="2" charset="-128"/>
                 <a:cs typeface="Times New Roman" panose="02020603050405020304" pitchFamily="18" charset="0"/>
               </a:rPr>
-              <a:t>On the commutator scaling in Hamiltonian simulation </a:t>
-            </a:r>
-          </a:p>
-          <a:p>
-            <a:pPr algn="ctr"/>
-            <a:r>
-              <a:rPr kumimoji="1" lang="en-US" altLang="ja-JP" sz="8000" dirty="0">
+              <a:t>物質科学における量子ダイナミクスの課題探索</a:t>
+            </a:r>
+          </a:p>
+        </p:txBody>
+      </p:sp>
+      <p:sp>
+        <p:nvSpPr>
+          <p:cNvPr id="3" name="テキスト ボックス 2">
+            <a:extLst>
+              <a:ext uri="{FF2B5EF4-FFF2-40B4-BE49-F238E27FC236}">
+                <a16:creationId xmlns:a16="http://schemas.microsoft.com/office/drawing/2014/main" id="{E6B00252-2790-7528-95B7-D29CE543610B}"/>
+              </a:ext>
+            </a:extLst>
+          </p:cNvPr>
+          <p:cNvSpPr txBox="1"/>
+          <p:nvPr/>
+        </p:nvSpPr>
+        <p:spPr>
+          <a:xfrm>
+            <a:off x="0" y="31337"/>
+            <a:ext cx="18800956" cy="646331"/>
+          </a:xfrm>
+          <a:prstGeom prst="rect">
+            <a:avLst/>
+          </a:prstGeom>
+          <a:noFill/>
+        </p:spPr>
+        <p:txBody>
+          <a:bodyPr wrap="square">
+            <a:spAutoFit/>
+          </a:bodyPr>
+          <a:lstStyle/>
+          <a:p>
+            <a:r>
+              <a:rPr kumimoji="1" lang="ja-JP" altLang="en-US" sz="3600">
                 <a:solidFill>
-                  <a:schemeClr val="bg1"/>
+                  <a:schemeClr val="tx1">
+                    <a:lumMod val="50000"/>
+                    <a:lumOff val="50000"/>
+                  </a:schemeClr>
                 </a:solidFill>
-                <a:latin typeface="Times New Roman" panose="02020603050405020304" pitchFamily="18" charset="0"/>
+                <a:latin typeface="YuKyokasho Medium" panose="02000500000000000000" pitchFamily="2" charset="-128"/>
+                <a:ea typeface="YuKyokasho Medium" panose="02000500000000000000" pitchFamily="2" charset="-128"/>
                 <a:cs typeface="Times New Roman" panose="02020603050405020304" pitchFamily="18" charset="0"/>
               </a:rPr>
-              <a:t>with multi-product formulas</a:t>
-            </a:r>
-            <a:endParaRPr kumimoji="1" lang="ja-JP" altLang="en-US" sz="8000">
+              <a:t>「誤り耐性量子コンピュータのアプリケーション研究開発」</a:t>
+            </a:r>
+            <a:r>
+              <a:rPr kumimoji="1" lang="en-US" altLang="ja-JP" sz="3600" dirty="0">
+                <a:solidFill>
+                  <a:schemeClr val="tx1">
+                    <a:lumMod val="50000"/>
+                    <a:lumOff val="50000"/>
+                  </a:schemeClr>
+                </a:solidFill>
+                <a:latin typeface="YuKyokasho Medium" panose="02000500000000000000" pitchFamily="2" charset="-128"/>
+                <a:ea typeface="YuKyokasho Medium" panose="02000500000000000000" pitchFamily="2" charset="-128"/>
+                <a:cs typeface="Times New Roman" panose="02020603050405020304" pitchFamily="18" charset="0"/>
+              </a:rPr>
+              <a:t>(PM: </a:t>
+            </a:r>
+            <a:r>
+              <a:rPr kumimoji="1" lang="ja-JP" altLang="en-US" sz="3600">
+                <a:solidFill>
+                  <a:schemeClr val="tx1">
+                    <a:lumMod val="50000"/>
+                    <a:lumOff val="50000"/>
+                  </a:schemeClr>
+                </a:solidFill>
+                <a:latin typeface="YuKyokasho Medium" panose="02000500000000000000" pitchFamily="2" charset="-128"/>
+                <a:ea typeface="YuKyokasho Medium" panose="02000500000000000000" pitchFamily="2" charset="-128"/>
+                <a:cs typeface="Times New Roman" panose="02020603050405020304" pitchFamily="18" charset="0"/>
+              </a:rPr>
+              <a:t>御手洗</a:t>
+            </a:r>
+            <a:r>
+              <a:rPr kumimoji="1" lang="en-US" altLang="ja-JP" sz="3600" dirty="0">
+                <a:solidFill>
+                  <a:schemeClr val="tx1">
+                    <a:lumMod val="50000"/>
+                    <a:lumOff val="50000"/>
+                  </a:schemeClr>
+                </a:solidFill>
+                <a:latin typeface="YuKyokasho Medium" panose="02000500000000000000" pitchFamily="2" charset="-128"/>
+                <a:ea typeface="YuKyokasho Medium" panose="02000500000000000000" pitchFamily="2" charset="-128"/>
+                <a:cs typeface="Times New Roman" panose="02020603050405020304" pitchFamily="18" charset="0"/>
+              </a:rPr>
+              <a:t> </a:t>
+            </a:r>
+            <a:r>
+              <a:rPr kumimoji="1" lang="ja-JP" altLang="en-US" sz="3600">
+                <a:solidFill>
+                  <a:schemeClr val="tx1">
+                    <a:lumMod val="50000"/>
+                    <a:lumOff val="50000"/>
+                  </a:schemeClr>
+                </a:solidFill>
+                <a:latin typeface="YuKyokasho Medium" panose="02000500000000000000" pitchFamily="2" charset="-128"/>
+                <a:ea typeface="YuKyokasho Medium" panose="02000500000000000000" pitchFamily="2" charset="-128"/>
+                <a:cs typeface="Times New Roman" panose="02020603050405020304" pitchFamily="18" charset="0"/>
+              </a:rPr>
+              <a:t>光祐</a:t>
+            </a:r>
+            <a:r>
+              <a:rPr kumimoji="1" lang="en-US" altLang="ja-JP" sz="3600" dirty="0">
+                <a:solidFill>
+                  <a:schemeClr val="tx1">
+                    <a:lumMod val="50000"/>
+                    <a:lumOff val="50000"/>
+                  </a:schemeClr>
+                </a:solidFill>
+                <a:latin typeface="YuKyokasho Medium" panose="02000500000000000000" pitchFamily="2" charset="-128"/>
+                <a:ea typeface="YuKyokasho Medium" panose="02000500000000000000" pitchFamily="2" charset="-128"/>
+                <a:cs typeface="Times New Roman" panose="02020603050405020304" pitchFamily="18" charset="0"/>
+              </a:rPr>
+              <a:t>)</a:t>
+            </a:r>
+            <a:endParaRPr kumimoji="1" lang="ja-JP" altLang="en-US" sz="3600">
               <a:solidFill>
-                <a:schemeClr val="bg1"/>
+                <a:schemeClr val="tx1">
+                  <a:lumMod val="50000"/>
+                  <a:lumOff val="50000"/>
+                </a:schemeClr>
               </a:solidFill>
-              <a:latin typeface="Times New Roman" panose="02020603050405020304" pitchFamily="18" charset="0"/>
+              <a:latin typeface="YuKyokasho Medium" panose="02000500000000000000" pitchFamily="2" charset="-128"/>
+              <a:ea typeface="YuKyokasho Medium" panose="02000500000000000000" pitchFamily="2" charset="-128"/>
               <a:cs typeface="Times New Roman" panose="02020603050405020304" pitchFamily="18" charset="0"/>
             </a:endParaRPr>
           </a:p>
